--- a/Figures/Mini Project.pptx
+++ b/Figures/Mini Project.pptx
@@ -6937,7 +6937,7 @@
             <a:tbl>
               <a:tblPr>
                 <a:noFill/>
-                <a:tableStyleId>{8ADB2780-C862-4491-A4A7-05BB57FDC39F}</a:tableStyleId>
+                <a:tableStyleId>{E4B07E0D-877E-423C-8E04-E4B12B12E182}</a:tableStyleId>
               </a:tblPr>
               <a:tblGrid>
                 <a:gridCol w="1447800"/>
@@ -7399,8 +7399,12 @@
                         <a:buNone/>
                       </a:pPr>
                       <a:r>
-                        <a:rPr lang="en-GB"/>
-                        <a:t>1.718213058</a:t>
+                        <a:rPr lang="en-GB">
+                          <a:solidFill>
+                            <a:schemeClr val="dk1"/>
+                          </a:solidFill>
+                        </a:rPr>
+                        <a:t>1.002004008</a:t>
                       </a:r>
                       <a:endParaRPr/>
                     </a:p>
@@ -7462,6 +7466,48 @@
           </a:graphicData>
         </a:graphic>
       </p:graphicFrame>
+      <p:sp>
+        <p:nvSpPr>
+          <p:cNvPr id="98" name="Google Shape;98;p20"/>
+          <p:cNvSpPr txBox="1"/>
+          <p:nvPr/>
+        </p:nvSpPr>
+        <p:spPr>
+          <a:xfrm>
+            <a:off x="952500" y="270000"/>
+            <a:ext cx="7333200" cy="855600"/>
+          </a:xfrm>
+          <a:prstGeom prst="rect">
+            <a:avLst/>
+          </a:prstGeom>
+          <a:noFill/>
+          <a:ln>
+            <a:noFill/>
+          </a:ln>
+        </p:spPr>
+        <p:txBody>
+          <a:bodyPr anchorCtr="0" anchor="t" bIns="91425" lIns="91425" spcFirstLastPara="1" rIns="91425" wrap="square" tIns="91425">
+            <a:noAutofit/>
+          </a:bodyPr>
+          <a:lstStyle/>
+          <a:p>
+            <a:pPr indent="0" lvl="0" marL="0" rtl="0" algn="ctr">
+              <a:spcBef>
+                <a:spcPts val="0"/>
+              </a:spcBef>
+              <a:spcAft>
+                <a:spcPts val="0"/>
+              </a:spcAft>
+              <a:buNone/>
+            </a:pPr>
+            <a:r>
+              <a:rPr lang="en-GB" sz="3600"/>
+              <a:t>Results obtained</a:t>
+            </a:r>
+            <a:endParaRPr sz="3600"/>
+          </a:p>
+        </p:txBody>
+      </p:sp>
     </p:spTree>
   </p:cSld>
   <p:clrMapOvr>
